--- a/document/AI_map_MODEL.pptx
+++ b/document/AI_map_MODEL.pptx
@@ -261,7 +261,7 @@
           <a:p>
             <a:fld id="{340DE9BD-99E0-42AD-B22F-DD3D11336B0F}" type="datetimeFigureOut">
               <a:rPr kumimoji="1" lang="ja-JP" altLang="en-US" smtClean="0"/>
-              <a:t>2023/2/4</a:t>
+              <a:t>2023/2/27</a:t>
             </a:fld>
             <a:endParaRPr kumimoji="1" lang="ja-JP" altLang="en-US"/>
           </a:p>
@@ -491,7 +491,7 @@
           <a:p>
             <a:fld id="{340DE9BD-99E0-42AD-B22F-DD3D11336B0F}" type="datetimeFigureOut">
               <a:rPr kumimoji="1" lang="ja-JP" altLang="en-US" smtClean="0"/>
-              <a:t>2023/2/4</a:t>
+              <a:t>2023/2/27</a:t>
             </a:fld>
             <a:endParaRPr kumimoji="1" lang="ja-JP" altLang="en-US"/>
           </a:p>
@@ -731,7 +731,7 @@
           <a:p>
             <a:fld id="{340DE9BD-99E0-42AD-B22F-DD3D11336B0F}" type="datetimeFigureOut">
               <a:rPr kumimoji="1" lang="ja-JP" altLang="en-US" smtClean="0"/>
-              <a:t>2023/2/4</a:t>
+              <a:t>2023/2/27</a:t>
             </a:fld>
             <a:endParaRPr kumimoji="1" lang="ja-JP" altLang="en-US"/>
           </a:p>
@@ -961,7 +961,7 @@
           <a:p>
             <a:fld id="{340DE9BD-99E0-42AD-B22F-DD3D11336B0F}" type="datetimeFigureOut">
               <a:rPr kumimoji="1" lang="ja-JP" altLang="en-US" smtClean="0"/>
-              <a:t>2023/2/4</a:t>
+              <a:t>2023/2/27</a:t>
             </a:fld>
             <a:endParaRPr kumimoji="1" lang="ja-JP" altLang="en-US"/>
           </a:p>
@@ -1236,7 +1236,7 @@
           <a:p>
             <a:fld id="{340DE9BD-99E0-42AD-B22F-DD3D11336B0F}" type="datetimeFigureOut">
               <a:rPr kumimoji="1" lang="ja-JP" altLang="en-US" smtClean="0"/>
-              <a:t>2023/2/4</a:t>
+              <a:t>2023/2/27</a:t>
             </a:fld>
             <a:endParaRPr kumimoji="1" lang="ja-JP" altLang="en-US"/>
           </a:p>
@@ -1565,7 +1565,7 @@
           <a:p>
             <a:fld id="{340DE9BD-99E0-42AD-B22F-DD3D11336B0F}" type="datetimeFigureOut">
               <a:rPr kumimoji="1" lang="ja-JP" altLang="en-US" smtClean="0"/>
-              <a:t>2023/2/4</a:t>
+              <a:t>2023/2/27</a:t>
             </a:fld>
             <a:endParaRPr kumimoji="1" lang="ja-JP" altLang="en-US"/>
           </a:p>
@@ -2041,7 +2041,7 @@
           <a:p>
             <a:fld id="{340DE9BD-99E0-42AD-B22F-DD3D11336B0F}" type="datetimeFigureOut">
               <a:rPr kumimoji="1" lang="ja-JP" altLang="en-US" smtClean="0"/>
-              <a:t>2023/2/4</a:t>
+              <a:t>2023/2/27</a:t>
             </a:fld>
             <a:endParaRPr kumimoji="1" lang="ja-JP" altLang="en-US"/>
           </a:p>
@@ -2182,7 +2182,7 @@
           <a:p>
             <a:fld id="{340DE9BD-99E0-42AD-B22F-DD3D11336B0F}" type="datetimeFigureOut">
               <a:rPr kumimoji="1" lang="ja-JP" altLang="en-US" smtClean="0"/>
-              <a:t>2023/2/4</a:t>
+              <a:t>2023/2/27</a:t>
             </a:fld>
             <a:endParaRPr kumimoji="1" lang="ja-JP" altLang="en-US"/>
           </a:p>
@@ -2295,7 +2295,7 @@
           <a:p>
             <a:fld id="{340DE9BD-99E0-42AD-B22F-DD3D11336B0F}" type="datetimeFigureOut">
               <a:rPr kumimoji="1" lang="ja-JP" altLang="en-US" smtClean="0"/>
-              <a:t>2023/2/4</a:t>
+              <a:t>2023/2/27</a:t>
             </a:fld>
             <a:endParaRPr kumimoji="1" lang="ja-JP" altLang="en-US"/>
           </a:p>
@@ -2638,7 +2638,7 @@
           <a:p>
             <a:fld id="{340DE9BD-99E0-42AD-B22F-DD3D11336B0F}" type="datetimeFigureOut">
               <a:rPr kumimoji="1" lang="ja-JP" altLang="en-US" smtClean="0"/>
-              <a:t>2023/2/4</a:t>
+              <a:t>2023/2/27</a:t>
             </a:fld>
             <a:endParaRPr kumimoji="1" lang="ja-JP" altLang="en-US"/>
           </a:p>
@@ -2926,7 +2926,7 @@
           <a:p>
             <a:fld id="{340DE9BD-99E0-42AD-B22F-DD3D11336B0F}" type="datetimeFigureOut">
               <a:rPr kumimoji="1" lang="ja-JP" altLang="en-US" smtClean="0"/>
-              <a:t>2023/2/4</a:t>
+              <a:t>2023/2/27</a:t>
             </a:fld>
             <a:endParaRPr kumimoji="1" lang="ja-JP" altLang="en-US"/>
           </a:p>
@@ -3199,7 +3199,7 @@
           <a:p>
             <a:fld id="{340DE9BD-99E0-42AD-B22F-DD3D11336B0F}" type="datetimeFigureOut">
               <a:rPr kumimoji="1" lang="ja-JP" altLang="en-US" smtClean="0"/>
-              <a:t>2023/2/4</a:t>
+              <a:t>2023/2/27</a:t>
             </a:fld>
             <a:endParaRPr kumimoji="1" lang="ja-JP" altLang="en-US"/>
           </a:p>
@@ -3702,10 +3702,10 @@
       </p:grpSpPr>
       <p:grpSp>
         <p:nvGrpSpPr>
-          <p:cNvPr id="3" name="グループ化 2">
-            <a:extLst>
-              <a:ext uri="{FF2B5EF4-FFF2-40B4-BE49-F238E27FC236}">
-                <a16:creationId xmlns:a16="http://schemas.microsoft.com/office/drawing/2014/main" id="{FCFF692D-5FE7-6889-CFBE-B5FCA1A2B1BE}"/>
+          <p:cNvPr id="51" name="グループ化 50">
+            <a:extLst>
+              <a:ext uri="{FF2B5EF4-FFF2-40B4-BE49-F238E27FC236}">
+                <a16:creationId xmlns:a16="http://schemas.microsoft.com/office/drawing/2014/main" id="{25037928-3B68-1ED7-A5AA-A4E31FEAD00D}"/>
               </a:ext>
             </a:extLst>
           </p:cNvPr>
@@ -3714,10 +3714,10 @@
         </p:nvGrpSpPr>
         <p:grpSpPr>
           <a:xfrm>
-            <a:off x="1788160" y="72628"/>
-            <a:ext cx="8453120" cy="6458744"/>
-            <a:chOff x="1788160" y="72628"/>
-            <a:chExt cx="8453120" cy="6458744"/>
+            <a:off x="198459" y="72628"/>
+            <a:ext cx="11902101" cy="6636239"/>
+            <a:chOff x="198459" y="72628"/>
+            <a:chExt cx="11902101" cy="6636239"/>
           </a:xfrm>
         </p:grpSpPr>
         <p:sp>
@@ -3734,8 +3734,8 @@
           </p:nvSpPr>
           <p:spPr>
             <a:xfrm>
-              <a:off x="1788160" y="72628"/>
-              <a:ext cx="8453120" cy="6458744"/>
+              <a:off x="198459" y="72628"/>
+              <a:ext cx="11902101" cy="6524911"/>
             </a:xfrm>
             <a:prstGeom prst="rect">
               <a:avLst/>
@@ -3770,397 +3770,1499 @@
             <a:lstStyle/>
             <a:p>
               <a:pPr algn="ctr"/>
-              <a:endParaRPr kumimoji="1" lang="ja-JP" altLang="en-US"/>
+              <a:endParaRPr kumimoji="1" lang="ja-JP" altLang="en-US" dirty="0"/>
             </a:p>
           </p:txBody>
         </p:sp>
-        <p:grpSp>
-          <p:nvGrpSpPr>
-            <p:cNvPr id="17" name="グループ化 16">
+        <p:cxnSp>
+          <p:nvCxnSpPr>
+            <p:cNvPr id="5" name="直線矢印コネクタ 4">
               <a:extLst>
                 <a:ext uri="{FF2B5EF4-FFF2-40B4-BE49-F238E27FC236}">
-                  <a16:creationId xmlns:a16="http://schemas.microsoft.com/office/drawing/2014/main" id="{17D27732-CA92-4633-9168-AC1DC540BB0C}"/>
+                  <a16:creationId xmlns:a16="http://schemas.microsoft.com/office/drawing/2014/main" id="{C91EF576-7491-A3F0-4B32-A05340ECD2AC}"/>
                 </a:ext>
               </a:extLst>
             </p:cNvPr>
-            <p:cNvGrpSpPr/>
+            <p:cNvCxnSpPr>
+              <a:cxnSpLocks/>
+              <a:stCxn id="9" idx="3"/>
+              <a:endCxn id="10" idx="1"/>
+            </p:cNvCxnSpPr>
             <p:nvPr/>
-          </p:nvGrpSpPr>
-          <p:grpSpPr>
+          </p:nvCxnSpPr>
+          <p:spPr>
             <a:xfrm>
-              <a:off x="1869440" y="199628"/>
-              <a:ext cx="8162945" cy="6274078"/>
-              <a:chOff x="1869440" y="199628"/>
-              <a:chExt cx="8162945" cy="6274078"/>
+              <a:off x="1078780" y="3204375"/>
+              <a:ext cx="10453096" cy="83507"/>
             </a:xfrm>
-          </p:grpSpPr>
-          <p:cxnSp>
-            <p:nvCxnSpPr>
-              <p:cNvPr id="5" name="直線矢印コネクタ 4">
-                <a:extLst>
-                  <a:ext uri="{FF2B5EF4-FFF2-40B4-BE49-F238E27FC236}">
-                    <a16:creationId xmlns:a16="http://schemas.microsoft.com/office/drawing/2014/main" id="{C91EF576-7491-A3F0-4B32-A05340ECD2AC}"/>
-                  </a:ext>
-                </a:extLst>
-              </p:cNvPr>
-              <p:cNvCxnSpPr>
-                <a:cxnSpLocks/>
-              </p:cNvCxnSpPr>
-              <p:nvPr/>
-            </p:nvCxnSpPr>
-            <p:spPr>
-              <a:xfrm>
-                <a:off x="2753360" y="3159760"/>
-                <a:ext cx="6543040" cy="0"/>
-              </a:xfrm>
-              <a:prstGeom prst="straightConnector1">
-                <a:avLst/>
-              </a:prstGeom>
-              <a:ln w="76200">
-                <a:solidFill>
-                  <a:schemeClr val="tx1"/>
-                </a:solidFill>
-                <a:headEnd type="triangle"/>
-                <a:tailEnd type="triangle"/>
-              </a:ln>
-            </p:spPr>
-            <p:style>
-              <a:lnRef idx="1">
-                <a:schemeClr val="accent1"/>
-              </a:lnRef>
-              <a:fillRef idx="0">
-                <a:schemeClr val="accent1"/>
-              </a:fillRef>
-              <a:effectRef idx="0">
-                <a:schemeClr val="accent1"/>
-              </a:effectRef>
-              <a:fontRef idx="minor">
+            <a:prstGeom prst="straightConnector1">
+              <a:avLst/>
+            </a:prstGeom>
+            <a:ln w="76200">
+              <a:solidFill>
                 <a:schemeClr val="tx1"/>
-              </a:fontRef>
-            </p:style>
-          </p:cxnSp>
-          <p:cxnSp>
-            <p:nvCxnSpPr>
-              <p:cNvPr id="7" name="直線矢印コネクタ 6">
-                <a:extLst>
-                  <a:ext uri="{FF2B5EF4-FFF2-40B4-BE49-F238E27FC236}">
-                    <a16:creationId xmlns:a16="http://schemas.microsoft.com/office/drawing/2014/main" id="{CF7032D6-9A60-0329-3FE7-80D9B63124FD}"/>
-                  </a:ext>
-                </a:extLst>
-              </p:cNvPr>
-              <p:cNvCxnSpPr>
-                <a:cxnSpLocks/>
-              </p:cNvCxnSpPr>
-              <p:nvPr/>
-            </p:nvCxnSpPr>
-            <p:spPr>
-              <a:xfrm>
-                <a:off x="6014720" y="568960"/>
-                <a:ext cx="0" cy="5466080"/>
-              </a:xfrm>
-              <a:prstGeom prst="straightConnector1">
-                <a:avLst/>
-              </a:prstGeom>
-              <a:ln w="76200">
-                <a:solidFill>
-                  <a:schemeClr val="tx1"/>
-                </a:solidFill>
-                <a:headEnd type="triangle"/>
-                <a:tailEnd type="triangle"/>
-              </a:ln>
-            </p:spPr>
-            <p:style>
-              <a:lnRef idx="1">
-                <a:schemeClr val="accent1"/>
-              </a:lnRef>
-              <a:fillRef idx="0">
-                <a:schemeClr val="accent1"/>
-              </a:fillRef>
-              <a:effectRef idx="0">
-                <a:schemeClr val="accent1"/>
-              </a:effectRef>
-              <a:fontRef idx="minor">
+              </a:solidFill>
+              <a:headEnd type="triangle"/>
+              <a:tailEnd type="triangle"/>
+            </a:ln>
+          </p:spPr>
+          <p:style>
+            <a:lnRef idx="1">
+              <a:schemeClr val="accent1"/>
+            </a:lnRef>
+            <a:fillRef idx="0">
+              <a:schemeClr val="accent1"/>
+            </a:fillRef>
+            <a:effectRef idx="0">
+              <a:schemeClr val="accent1"/>
+            </a:effectRef>
+            <a:fontRef idx="minor">
+              <a:schemeClr val="tx1"/>
+            </a:fontRef>
+          </p:style>
+        </p:cxnSp>
+        <p:cxnSp>
+          <p:nvCxnSpPr>
+            <p:cNvPr id="7" name="直線矢印コネクタ 6">
+              <a:extLst>
+                <a:ext uri="{FF2B5EF4-FFF2-40B4-BE49-F238E27FC236}">
+                  <a16:creationId xmlns:a16="http://schemas.microsoft.com/office/drawing/2014/main" id="{CF7032D6-9A60-0329-3FE7-80D9B63124FD}"/>
+                </a:ext>
+              </a:extLst>
+            </p:cNvPr>
+            <p:cNvCxnSpPr>
+              <a:cxnSpLocks/>
+              <a:stCxn id="11" idx="2"/>
+              <a:endCxn id="12" idx="0"/>
+            </p:cNvCxnSpPr>
+            <p:nvPr/>
+          </p:nvCxnSpPr>
+          <p:spPr>
+            <a:xfrm>
+              <a:off x="6014720" y="475734"/>
+              <a:ext cx="10160" cy="5863801"/>
+            </a:xfrm>
+            <a:prstGeom prst="straightConnector1">
+              <a:avLst/>
+            </a:prstGeom>
+            <a:ln w="76200">
+              <a:solidFill>
                 <a:schemeClr val="tx1"/>
-              </a:fontRef>
-            </p:style>
-          </p:cxnSp>
-          <p:sp>
-            <p:nvSpPr>
-              <p:cNvPr id="9" name="テキスト ボックス 8">
-                <a:extLst>
-                  <a:ext uri="{FF2B5EF4-FFF2-40B4-BE49-F238E27FC236}">
-                    <a16:creationId xmlns:a16="http://schemas.microsoft.com/office/drawing/2014/main" id="{4FEB1B00-334F-33F2-B4F3-E020AF6E2115}"/>
-                  </a:ext>
-                </a:extLst>
-              </p:cNvPr>
-              <p:cNvSpPr txBox="1"/>
-              <p:nvPr/>
-            </p:nvSpPr>
-            <p:spPr>
-              <a:xfrm>
-                <a:off x="1882616" y="1755423"/>
-                <a:ext cx="738664" cy="2862322"/>
-              </a:xfrm>
-              <a:prstGeom prst="rect">
-                <a:avLst/>
-              </a:prstGeom>
-              <a:noFill/>
-            </p:spPr>
-            <p:txBody>
-              <a:bodyPr vert="eaVert" wrap="none" rtlCol="0">
-                <a:spAutoFit/>
-              </a:bodyPr>
-              <a:lstStyle/>
-              <a:p>
-                <a:r>
-                  <a:rPr kumimoji="1" lang="ja-JP" altLang="en-US" dirty="0"/>
-                  <a:t>ドメイン知識</a:t>
-                </a:r>
-                <a:endParaRPr kumimoji="1" lang="en-US" altLang="ja-JP" dirty="0"/>
-              </a:p>
-              <a:p>
-                <a:r>
-                  <a:rPr kumimoji="1" lang="ja-JP" altLang="en-US" dirty="0"/>
-                  <a:t>（解析学・制御工学以外）</a:t>
-                </a:r>
-              </a:p>
-            </p:txBody>
-          </p:sp>
-          <p:sp>
-            <p:nvSpPr>
-              <p:cNvPr id="10" name="テキスト ボックス 9">
-                <a:extLst>
-                  <a:ext uri="{FF2B5EF4-FFF2-40B4-BE49-F238E27FC236}">
-                    <a16:creationId xmlns:a16="http://schemas.microsoft.com/office/drawing/2014/main" id="{3C579224-C7BE-18DB-7866-C1D81F077C35}"/>
-                  </a:ext>
-                </a:extLst>
-              </p:cNvPr>
-              <p:cNvSpPr txBox="1"/>
-              <p:nvPr/>
-            </p:nvSpPr>
-            <p:spPr>
-              <a:xfrm>
-                <a:off x="9570720" y="2536512"/>
-                <a:ext cx="461665" cy="1246495"/>
-              </a:xfrm>
-              <a:prstGeom prst="rect">
-                <a:avLst/>
-              </a:prstGeom>
-              <a:noFill/>
-            </p:spPr>
-            <p:txBody>
-              <a:bodyPr vert="eaVert" wrap="none" rtlCol="0">
-                <a:spAutoFit/>
-              </a:bodyPr>
-              <a:lstStyle/>
-              <a:p>
-                <a:r>
-                  <a:rPr kumimoji="1" lang="ja-JP" altLang="en-US" dirty="0"/>
-                  <a:t>一般化関数</a:t>
-                </a:r>
-              </a:p>
-            </p:txBody>
-          </p:sp>
-          <p:sp>
-            <p:nvSpPr>
-              <p:cNvPr id="11" name="テキスト ボックス 10">
-                <a:extLst>
-                  <a:ext uri="{FF2B5EF4-FFF2-40B4-BE49-F238E27FC236}">
-                    <a16:creationId xmlns:a16="http://schemas.microsoft.com/office/drawing/2014/main" id="{456C030C-2AF4-6AD1-1534-5E7F36240D38}"/>
-                  </a:ext>
-                </a:extLst>
-              </p:cNvPr>
-              <p:cNvSpPr txBox="1"/>
-              <p:nvPr/>
-            </p:nvSpPr>
-            <p:spPr>
-              <a:xfrm>
-                <a:off x="4893801" y="199628"/>
-                <a:ext cx="2262158" cy="369332"/>
-              </a:xfrm>
-              <a:prstGeom prst="rect">
-                <a:avLst/>
-              </a:prstGeom>
-              <a:noFill/>
-            </p:spPr>
-            <p:txBody>
-              <a:bodyPr wrap="none" rtlCol="0">
-                <a:spAutoFit/>
-              </a:bodyPr>
-              <a:lstStyle/>
-              <a:p>
-                <a:r>
-                  <a:rPr kumimoji="1" lang="ja-JP" altLang="en-US" dirty="0"/>
-                  <a:t>パラメータ数が多い</a:t>
-                </a:r>
-              </a:p>
-            </p:txBody>
-          </p:sp>
-          <p:sp>
-            <p:nvSpPr>
-              <p:cNvPr id="12" name="テキスト ボックス 11">
-                <a:extLst>
-                  <a:ext uri="{FF2B5EF4-FFF2-40B4-BE49-F238E27FC236}">
-                    <a16:creationId xmlns:a16="http://schemas.microsoft.com/office/drawing/2014/main" id="{F90FE2F6-B9DF-2F5E-4039-8FFFE5CD6A91}"/>
-                  </a:ext>
-                </a:extLst>
-              </p:cNvPr>
-              <p:cNvSpPr txBox="1"/>
-              <p:nvPr/>
-            </p:nvSpPr>
-            <p:spPr>
-              <a:xfrm>
-                <a:off x="4893801" y="6104374"/>
-                <a:ext cx="2492990" cy="369332"/>
-              </a:xfrm>
-              <a:prstGeom prst="rect">
-                <a:avLst/>
-              </a:prstGeom>
-              <a:noFill/>
-            </p:spPr>
-            <p:txBody>
-              <a:bodyPr wrap="none" rtlCol="0">
-                <a:spAutoFit/>
-              </a:bodyPr>
-              <a:lstStyle/>
-              <a:p>
-                <a:r>
-                  <a:rPr kumimoji="1" lang="ja-JP" altLang="en-US" dirty="0"/>
-                  <a:t>パラメータ数が少ない</a:t>
-                </a:r>
-              </a:p>
-            </p:txBody>
-          </p:sp>
-          <p:cxnSp>
-            <p:nvCxnSpPr>
-              <p:cNvPr id="13" name="直線矢印コネクタ 12">
-                <a:extLst>
-                  <a:ext uri="{FF2B5EF4-FFF2-40B4-BE49-F238E27FC236}">
-                    <a16:creationId xmlns:a16="http://schemas.microsoft.com/office/drawing/2014/main" id="{1B0AC291-BA6B-2351-8722-6F1189F0671A}"/>
-                  </a:ext>
-                </a:extLst>
-              </p:cNvPr>
-              <p:cNvCxnSpPr>
-                <a:cxnSpLocks/>
-              </p:cNvCxnSpPr>
-              <p:nvPr/>
-            </p:nvCxnSpPr>
-            <p:spPr>
-              <a:xfrm flipV="1">
-                <a:off x="3027680" y="1280160"/>
-                <a:ext cx="5608320" cy="3921760"/>
-              </a:xfrm>
-              <a:prstGeom prst="straightConnector1">
-                <a:avLst/>
-              </a:prstGeom>
-              <a:ln w="76200">
-                <a:solidFill>
-                  <a:srgbClr val="00B0F0"/>
-                </a:solidFill>
-                <a:headEnd type="triangle"/>
-                <a:tailEnd type="triangle"/>
-              </a:ln>
-            </p:spPr>
-            <p:style>
-              <a:lnRef idx="1">
-                <a:schemeClr val="accent1"/>
-              </a:lnRef>
-              <a:fillRef idx="0">
-                <a:schemeClr val="accent1"/>
-              </a:fillRef>
-              <a:effectRef idx="0">
-                <a:schemeClr val="accent1"/>
-              </a:effectRef>
-              <a:fontRef idx="minor">
+              </a:solidFill>
+              <a:headEnd type="triangle"/>
+              <a:tailEnd type="triangle"/>
+            </a:ln>
+          </p:spPr>
+          <p:style>
+            <a:lnRef idx="1">
+              <a:schemeClr val="accent1"/>
+            </a:lnRef>
+            <a:fillRef idx="0">
+              <a:schemeClr val="accent1"/>
+            </a:fillRef>
+            <a:effectRef idx="0">
+              <a:schemeClr val="accent1"/>
+            </a:effectRef>
+            <a:fontRef idx="minor">
+              <a:schemeClr val="tx1"/>
+            </a:fontRef>
+          </p:style>
+        </p:cxnSp>
+        <p:sp>
+          <p:nvSpPr>
+            <p:cNvPr id="9" name="テキスト ボックス 8">
+              <a:extLst>
+                <a:ext uri="{FF2B5EF4-FFF2-40B4-BE49-F238E27FC236}">
+                  <a16:creationId xmlns:a16="http://schemas.microsoft.com/office/drawing/2014/main" id="{4FEB1B00-334F-33F2-B4F3-E020AF6E2115}"/>
+                </a:ext>
+              </a:extLst>
+            </p:cNvPr>
+            <p:cNvSpPr txBox="1"/>
+            <p:nvPr/>
+          </p:nvSpPr>
+          <p:spPr>
+            <a:xfrm>
+              <a:off x="340116" y="1773214"/>
+              <a:ext cx="738664" cy="2862322"/>
+            </a:xfrm>
+            <a:prstGeom prst="rect">
+              <a:avLst/>
+            </a:prstGeom>
+            <a:noFill/>
+          </p:spPr>
+          <p:txBody>
+            <a:bodyPr vert="eaVert" wrap="none" rtlCol="0">
+              <a:spAutoFit/>
+            </a:bodyPr>
+            <a:lstStyle/>
+            <a:p>
+              <a:r>
+                <a:rPr kumimoji="1" lang="ja-JP" altLang="en-US" dirty="0"/>
+                <a:t>ドメイン知識</a:t>
+              </a:r>
+              <a:endParaRPr kumimoji="1" lang="en-US" altLang="ja-JP" dirty="0"/>
+            </a:p>
+            <a:p>
+              <a:r>
+                <a:rPr kumimoji="1" lang="ja-JP" altLang="en-US" dirty="0"/>
+                <a:t>（解析学・制御工学以外）</a:t>
+              </a:r>
+            </a:p>
+          </p:txBody>
+        </p:sp>
+        <p:sp>
+          <p:nvSpPr>
+            <p:cNvPr id="10" name="テキスト ボックス 9">
+              <a:extLst>
+                <a:ext uri="{FF2B5EF4-FFF2-40B4-BE49-F238E27FC236}">
+                  <a16:creationId xmlns:a16="http://schemas.microsoft.com/office/drawing/2014/main" id="{3C579224-C7BE-18DB-7866-C1D81F077C35}"/>
+                </a:ext>
+              </a:extLst>
+            </p:cNvPr>
+            <p:cNvSpPr txBox="1"/>
+            <p:nvPr/>
+          </p:nvSpPr>
+          <p:spPr>
+            <a:xfrm>
+              <a:off x="11531876" y="2664634"/>
+              <a:ext cx="461665" cy="1246495"/>
+            </a:xfrm>
+            <a:prstGeom prst="rect">
+              <a:avLst/>
+            </a:prstGeom>
+            <a:noFill/>
+          </p:spPr>
+          <p:txBody>
+            <a:bodyPr vert="eaVert" wrap="none" rtlCol="0">
+              <a:spAutoFit/>
+            </a:bodyPr>
+            <a:lstStyle/>
+            <a:p>
+              <a:r>
+                <a:rPr kumimoji="1" lang="ja-JP" altLang="en-US" dirty="0"/>
+                <a:t>一般化関数</a:t>
+              </a:r>
+            </a:p>
+          </p:txBody>
+        </p:sp>
+        <p:sp>
+          <p:nvSpPr>
+            <p:cNvPr id="11" name="テキスト ボックス 10">
+              <a:extLst>
+                <a:ext uri="{FF2B5EF4-FFF2-40B4-BE49-F238E27FC236}">
+                  <a16:creationId xmlns:a16="http://schemas.microsoft.com/office/drawing/2014/main" id="{456C030C-2AF4-6AD1-1534-5E7F36240D38}"/>
+                </a:ext>
+              </a:extLst>
+            </p:cNvPr>
+            <p:cNvSpPr txBox="1"/>
+            <p:nvPr/>
+          </p:nvSpPr>
+          <p:spPr>
+            <a:xfrm>
+              <a:off x="4883641" y="106402"/>
+              <a:ext cx="2262158" cy="369332"/>
+            </a:xfrm>
+            <a:prstGeom prst="rect">
+              <a:avLst/>
+            </a:prstGeom>
+            <a:noFill/>
+          </p:spPr>
+          <p:txBody>
+            <a:bodyPr wrap="none" rtlCol="0">
+              <a:spAutoFit/>
+            </a:bodyPr>
+            <a:lstStyle/>
+            <a:p>
+              <a:r>
+                <a:rPr kumimoji="1" lang="ja-JP" altLang="en-US" dirty="0"/>
+                <a:t>パラメータ数が多い</a:t>
+              </a:r>
+            </a:p>
+          </p:txBody>
+        </p:sp>
+        <p:sp>
+          <p:nvSpPr>
+            <p:cNvPr id="12" name="テキスト ボックス 11">
+              <a:extLst>
+                <a:ext uri="{FF2B5EF4-FFF2-40B4-BE49-F238E27FC236}">
+                  <a16:creationId xmlns:a16="http://schemas.microsoft.com/office/drawing/2014/main" id="{F90FE2F6-B9DF-2F5E-4039-8FFFE5CD6A91}"/>
+                </a:ext>
+              </a:extLst>
+            </p:cNvPr>
+            <p:cNvSpPr txBox="1"/>
+            <p:nvPr/>
+          </p:nvSpPr>
+          <p:spPr>
+            <a:xfrm>
+              <a:off x="4778385" y="6339535"/>
+              <a:ext cx="2492990" cy="369332"/>
+            </a:xfrm>
+            <a:prstGeom prst="rect">
+              <a:avLst/>
+            </a:prstGeom>
+            <a:noFill/>
+          </p:spPr>
+          <p:txBody>
+            <a:bodyPr wrap="none" rtlCol="0">
+              <a:spAutoFit/>
+            </a:bodyPr>
+            <a:lstStyle/>
+            <a:p>
+              <a:r>
+                <a:rPr kumimoji="1" lang="ja-JP" altLang="en-US" dirty="0"/>
+                <a:t>パラメータ数が少ない</a:t>
+              </a:r>
+            </a:p>
+          </p:txBody>
+        </p:sp>
+        <p:sp>
+          <p:nvSpPr>
+            <p:cNvPr id="15" name="テキスト ボックス 14">
+              <a:extLst>
+                <a:ext uri="{FF2B5EF4-FFF2-40B4-BE49-F238E27FC236}">
+                  <a16:creationId xmlns:a16="http://schemas.microsoft.com/office/drawing/2014/main" id="{D3DFEC90-9BE3-D73B-37E0-D14CBC52770A}"/>
+                </a:ext>
+              </a:extLst>
+            </p:cNvPr>
+            <p:cNvSpPr txBox="1"/>
+            <p:nvPr/>
+          </p:nvSpPr>
+          <p:spPr>
+            <a:xfrm>
+              <a:off x="9689762" y="112941"/>
+              <a:ext cx="2031325" cy="369332"/>
+            </a:xfrm>
+            <a:prstGeom prst="rect">
+              <a:avLst/>
+            </a:prstGeom>
+            <a:noFill/>
+            <a:ln>
+              <a:solidFill>
+                <a:srgbClr val="00B0F0"/>
+              </a:solidFill>
+            </a:ln>
+          </p:spPr>
+          <p:txBody>
+            <a:bodyPr wrap="none" rtlCol="0">
+              <a:spAutoFit/>
+            </a:bodyPr>
+            <a:lstStyle/>
+            <a:p>
+              <a:r>
+                <a:rPr kumimoji="1" lang="ja-JP" altLang="en-US" dirty="0"/>
+                <a:t>ブラックボックス</a:t>
+              </a:r>
+            </a:p>
+          </p:txBody>
+        </p:sp>
+        <p:sp>
+          <p:nvSpPr>
+            <p:cNvPr id="16" name="テキスト ボックス 15">
+              <a:extLst>
+                <a:ext uri="{FF2B5EF4-FFF2-40B4-BE49-F238E27FC236}">
+                  <a16:creationId xmlns:a16="http://schemas.microsoft.com/office/drawing/2014/main" id="{16835E47-7F60-0C62-3537-41C1F602DEE5}"/>
+                </a:ext>
+              </a:extLst>
+            </p:cNvPr>
+            <p:cNvSpPr txBox="1"/>
+            <p:nvPr/>
+          </p:nvSpPr>
+          <p:spPr>
+            <a:xfrm>
+              <a:off x="533010" y="6162581"/>
+              <a:ext cx="2031325" cy="369332"/>
+            </a:xfrm>
+            <a:prstGeom prst="rect">
+              <a:avLst/>
+            </a:prstGeom>
+            <a:noFill/>
+            <a:ln>
+              <a:solidFill>
+                <a:srgbClr val="00B0F0"/>
+              </a:solidFill>
+            </a:ln>
+          </p:spPr>
+          <p:txBody>
+            <a:bodyPr wrap="none" rtlCol="0">
+              <a:spAutoFit/>
+            </a:bodyPr>
+            <a:lstStyle/>
+            <a:p>
+              <a:r>
+                <a:rPr lang="ja-JP" altLang="en-US" dirty="0"/>
+                <a:t>ホワイト</a:t>
+              </a:r>
+              <a:r>
+                <a:rPr kumimoji="1" lang="ja-JP" altLang="en-US" dirty="0"/>
+                <a:t>ボックス</a:t>
+              </a:r>
+            </a:p>
+          </p:txBody>
+        </p:sp>
+        <p:sp>
+          <p:nvSpPr>
+            <p:cNvPr id="6" name="テキスト ボックス 5">
+              <a:extLst>
+                <a:ext uri="{FF2B5EF4-FFF2-40B4-BE49-F238E27FC236}">
+                  <a16:creationId xmlns:a16="http://schemas.microsoft.com/office/drawing/2014/main" id="{27E3D55C-9421-D6CB-AA88-61A2E1DEFC39}"/>
+                </a:ext>
+              </a:extLst>
+            </p:cNvPr>
+            <p:cNvSpPr txBox="1"/>
+            <p:nvPr/>
+          </p:nvSpPr>
+          <p:spPr>
+            <a:xfrm>
+              <a:off x="1548673" y="5460516"/>
+              <a:ext cx="1107996" cy="369332"/>
+            </a:xfrm>
+            <a:prstGeom prst="rect">
+              <a:avLst/>
+            </a:prstGeom>
+          </p:spPr>
+          <p:style>
+            <a:lnRef idx="2">
+              <a:schemeClr val="accent2"/>
+            </a:lnRef>
+            <a:fillRef idx="1">
+              <a:schemeClr val="lt1"/>
+            </a:fillRef>
+            <a:effectRef idx="0">
+              <a:schemeClr val="accent2"/>
+            </a:effectRef>
+            <a:fontRef idx="minor">
+              <a:schemeClr val="dk1"/>
+            </a:fontRef>
+          </p:style>
+          <p:txBody>
+            <a:bodyPr wrap="none" rtlCol="0">
+              <a:spAutoFit/>
+            </a:bodyPr>
+            <a:lstStyle/>
+            <a:p>
+              <a:r>
+                <a:rPr lang="ja-JP" altLang="en-US" dirty="0"/>
+                <a:t>閾値処理</a:t>
+              </a:r>
+              <a:endParaRPr kumimoji="1" lang="ja-JP" altLang="en-US" dirty="0"/>
+            </a:p>
+          </p:txBody>
+        </p:sp>
+        <p:sp>
+          <p:nvSpPr>
+            <p:cNvPr id="21" name="正方形/長方形 20">
+              <a:extLst>
+                <a:ext uri="{FF2B5EF4-FFF2-40B4-BE49-F238E27FC236}">
+                  <a16:creationId xmlns:a16="http://schemas.microsoft.com/office/drawing/2014/main" id="{76C26E0F-F574-8B61-614C-C9BFD2FE7F12}"/>
+                </a:ext>
+              </a:extLst>
+            </p:cNvPr>
+            <p:cNvSpPr/>
+            <p:nvPr/>
+          </p:nvSpPr>
+          <p:spPr>
+            <a:xfrm>
+              <a:off x="2013198" y="3309896"/>
+              <a:ext cx="1465890" cy="834352"/>
+            </a:xfrm>
+            <a:prstGeom prst="rect">
+              <a:avLst/>
+            </a:prstGeom>
+          </p:spPr>
+          <p:style>
+            <a:lnRef idx="2">
+              <a:schemeClr val="accent2"/>
+            </a:lnRef>
+            <a:fillRef idx="1">
+              <a:schemeClr val="lt1"/>
+            </a:fillRef>
+            <a:effectRef idx="0">
+              <a:schemeClr val="accent2"/>
+            </a:effectRef>
+            <a:fontRef idx="minor">
+              <a:schemeClr val="dk1"/>
+            </a:fontRef>
+          </p:style>
+          <p:txBody>
+            <a:bodyPr rtlCol="0" anchor="ctr"/>
+            <a:lstStyle/>
+            <a:p>
+              <a:pPr algn="ctr"/>
+              <a:r>
+                <a:rPr kumimoji="1" lang="ja-JP" altLang="en-US" dirty="0"/>
+                <a:t>最適化問題</a:t>
+              </a:r>
+            </a:p>
+          </p:txBody>
+        </p:sp>
+        <p:sp>
+          <p:nvSpPr>
+            <p:cNvPr id="22" name="正方形/長方形 21">
+              <a:extLst>
+                <a:ext uri="{FF2B5EF4-FFF2-40B4-BE49-F238E27FC236}">
+                  <a16:creationId xmlns:a16="http://schemas.microsoft.com/office/drawing/2014/main" id="{80EDE1B1-7B5B-E3D8-4F9B-7A9FE4CD505A}"/>
+                </a:ext>
+              </a:extLst>
+            </p:cNvPr>
+            <p:cNvSpPr/>
+            <p:nvPr/>
+          </p:nvSpPr>
+          <p:spPr>
+            <a:xfrm>
+              <a:off x="1864585" y="4536144"/>
+              <a:ext cx="1465890" cy="747507"/>
+            </a:xfrm>
+            <a:prstGeom prst="rect">
+              <a:avLst/>
+            </a:prstGeom>
+          </p:spPr>
+          <p:style>
+            <a:lnRef idx="2">
+              <a:schemeClr val="accent2"/>
+            </a:lnRef>
+            <a:fillRef idx="1">
+              <a:schemeClr val="lt1"/>
+            </a:fillRef>
+            <a:effectRef idx="0">
+              <a:schemeClr val="accent2"/>
+            </a:effectRef>
+            <a:fontRef idx="minor">
+              <a:schemeClr val="dk1"/>
+            </a:fontRef>
+          </p:style>
+          <p:txBody>
+            <a:bodyPr rtlCol="0" anchor="ctr"/>
+            <a:lstStyle/>
+            <a:p>
+              <a:pPr algn="ctr"/>
+              <a:r>
+                <a:rPr kumimoji="1" lang="ja-JP" altLang="en-US" dirty="0"/>
+                <a:t>物理</a:t>
+              </a:r>
+              <a:r>
+                <a:rPr kumimoji="1" lang="en-US" altLang="ja-JP" dirty="0"/>
+                <a:t>/</a:t>
+              </a:r>
+              <a:r>
+                <a:rPr kumimoji="1" lang="ja-JP" altLang="en-US" dirty="0"/>
+                <a:t>統計</a:t>
+              </a:r>
+              <a:endParaRPr kumimoji="1" lang="en-US" altLang="ja-JP" dirty="0"/>
+            </a:p>
+            <a:p>
+              <a:pPr algn="ctr"/>
+              <a:r>
+                <a:rPr kumimoji="1" lang="ja-JP" altLang="en-US" dirty="0"/>
+                <a:t>モデリング</a:t>
+              </a:r>
+            </a:p>
+          </p:txBody>
+        </p:sp>
+        <p:sp>
+          <p:nvSpPr>
+            <p:cNvPr id="23" name="正方形/長方形 22">
+              <a:extLst>
+                <a:ext uri="{FF2B5EF4-FFF2-40B4-BE49-F238E27FC236}">
+                  <a16:creationId xmlns:a16="http://schemas.microsoft.com/office/drawing/2014/main" id="{1FFF0A87-7967-54C1-F81E-3E179530B0F9}"/>
+                </a:ext>
+              </a:extLst>
+            </p:cNvPr>
+            <p:cNvSpPr/>
+            <p:nvPr/>
+          </p:nvSpPr>
+          <p:spPr>
+            <a:xfrm>
+              <a:off x="5281775" y="3852517"/>
+              <a:ext cx="1465890" cy="747507"/>
+            </a:xfrm>
+            <a:prstGeom prst="rect">
+              <a:avLst/>
+            </a:prstGeom>
+          </p:spPr>
+          <p:style>
+            <a:lnRef idx="2">
+              <a:schemeClr val="accent2"/>
+            </a:lnRef>
+            <a:fillRef idx="1">
+              <a:schemeClr val="lt1"/>
+            </a:fillRef>
+            <a:effectRef idx="0">
+              <a:schemeClr val="accent2"/>
+            </a:effectRef>
+            <a:fontRef idx="minor">
+              <a:schemeClr val="dk1"/>
+            </a:fontRef>
+          </p:style>
+          <p:txBody>
+            <a:bodyPr rtlCol="0" anchor="ctr"/>
+            <a:lstStyle/>
+            <a:p>
+              <a:pPr algn="ctr"/>
+              <a:r>
+                <a:rPr lang="ja-JP" altLang="en-US" dirty="0"/>
+                <a:t>ベイズ推定</a:t>
+              </a:r>
+              <a:endParaRPr kumimoji="1" lang="en-US" altLang="ja-JP" dirty="0"/>
+            </a:p>
+          </p:txBody>
+        </p:sp>
+        <p:sp>
+          <p:nvSpPr>
+            <p:cNvPr id="28" name="正方形/長方形 27">
+              <a:extLst>
+                <a:ext uri="{FF2B5EF4-FFF2-40B4-BE49-F238E27FC236}">
+                  <a16:creationId xmlns:a16="http://schemas.microsoft.com/office/drawing/2014/main" id="{9F7D43C6-DF16-3417-FFA5-E4B91685A517}"/>
+                </a:ext>
+              </a:extLst>
+            </p:cNvPr>
+            <p:cNvSpPr/>
+            <p:nvPr/>
+          </p:nvSpPr>
+          <p:spPr>
+            <a:xfrm>
+              <a:off x="5449024" y="4635536"/>
+              <a:ext cx="1131392" cy="549606"/>
+            </a:xfrm>
+            <a:prstGeom prst="rect">
+              <a:avLst/>
+            </a:prstGeom>
+          </p:spPr>
+          <p:style>
+            <a:lnRef idx="2">
+              <a:schemeClr val="accent2"/>
+            </a:lnRef>
+            <a:fillRef idx="1">
+              <a:schemeClr val="lt1"/>
+            </a:fillRef>
+            <a:effectRef idx="0">
+              <a:schemeClr val="accent2"/>
+            </a:effectRef>
+            <a:fontRef idx="minor">
+              <a:schemeClr val="dk1"/>
+            </a:fontRef>
+          </p:style>
+          <p:txBody>
+            <a:bodyPr rtlCol="0" anchor="ctr"/>
+            <a:lstStyle/>
+            <a:p>
+              <a:pPr algn="ctr"/>
+              <a:r>
+                <a:rPr lang="en-US" altLang="ja-JP" dirty="0"/>
+                <a:t>GPR</a:t>
+              </a:r>
+            </a:p>
+          </p:txBody>
+        </p:sp>
+        <p:sp>
+          <p:nvSpPr>
+            <p:cNvPr id="24" name="正方形/長方形 23">
+              <a:extLst>
+                <a:ext uri="{FF2B5EF4-FFF2-40B4-BE49-F238E27FC236}">
+                  <a16:creationId xmlns:a16="http://schemas.microsoft.com/office/drawing/2014/main" id="{AC605FCA-CDA5-1BFB-E14F-B874553F358E}"/>
+                </a:ext>
+              </a:extLst>
+            </p:cNvPr>
+            <p:cNvSpPr/>
+            <p:nvPr/>
+          </p:nvSpPr>
+          <p:spPr>
+            <a:xfrm>
+              <a:off x="7155959" y="1597254"/>
+              <a:ext cx="1131391" cy="3686397"/>
+            </a:xfrm>
+            <a:prstGeom prst="rect">
+              <a:avLst/>
+            </a:prstGeom>
+          </p:spPr>
+          <p:style>
+            <a:lnRef idx="2">
+              <a:schemeClr val="accent2"/>
+            </a:lnRef>
+            <a:fillRef idx="1">
+              <a:schemeClr val="lt1"/>
+            </a:fillRef>
+            <a:effectRef idx="0">
+              <a:schemeClr val="accent2"/>
+            </a:effectRef>
+            <a:fontRef idx="minor">
+              <a:schemeClr val="dk1"/>
+            </a:fontRef>
+          </p:style>
+          <p:txBody>
+            <a:bodyPr rtlCol="0" anchor="ctr"/>
+            <a:lstStyle/>
+            <a:p>
+              <a:pPr algn="ctr"/>
+              <a:r>
+                <a:rPr lang="ja-JP" altLang="en-US" dirty="0"/>
+                <a:t>決定木</a:t>
+              </a:r>
+              <a:endParaRPr lang="en-US" altLang="ja-JP" dirty="0"/>
+            </a:p>
+            <a:p>
+              <a:pPr algn="ctr"/>
+              <a:endParaRPr lang="en-US" altLang="ja-JP" dirty="0"/>
+            </a:p>
+            <a:p>
+              <a:pPr algn="ctr"/>
+              <a:endParaRPr lang="en-US" altLang="ja-JP" dirty="0"/>
+            </a:p>
+            <a:p>
+              <a:pPr algn="ctr"/>
+              <a:endParaRPr lang="en-US" altLang="ja-JP" dirty="0"/>
+            </a:p>
+            <a:p>
+              <a:pPr algn="ctr"/>
+              <a:endParaRPr lang="en-US" altLang="ja-JP" dirty="0"/>
+            </a:p>
+            <a:p>
+              <a:pPr algn="ctr"/>
+              <a:endParaRPr lang="en-US" altLang="ja-JP" dirty="0"/>
+            </a:p>
+            <a:p>
+              <a:pPr algn="ctr"/>
+              <a:endParaRPr kumimoji="1" lang="en-US" altLang="ja-JP" dirty="0"/>
+            </a:p>
+            <a:p>
+              <a:pPr algn="ctr"/>
+              <a:endParaRPr lang="en-US" altLang="ja-JP" dirty="0"/>
+            </a:p>
+            <a:p>
+              <a:pPr algn="ctr"/>
+              <a:endParaRPr kumimoji="1" lang="en-US" altLang="ja-JP" dirty="0"/>
+            </a:p>
+            <a:p>
+              <a:pPr algn="ctr"/>
+              <a:endParaRPr lang="en-US" altLang="ja-JP" dirty="0"/>
+            </a:p>
+            <a:p>
+              <a:pPr algn="ctr"/>
+              <a:endParaRPr kumimoji="1" lang="en-US" altLang="ja-JP" dirty="0"/>
+            </a:p>
+            <a:p>
+              <a:pPr algn="ctr"/>
+              <a:endParaRPr lang="en-US" altLang="ja-JP" dirty="0"/>
+            </a:p>
+            <a:p>
+              <a:pPr algn="ctr"/>
+              <a:endParaRPr kumimoji="1" lang="en-US" altLang="ja-JP" dirty="0"/>
+            </a:p>
+          </p:txBody>
+        </p:sp>
+        <p:sp>
+          <p:nvSpPr>
+            <p:cNvPr id="30" name="正方形/長方形 29">
+              <a:extLst>
+                <a:ext uri="{FF2B5EF4-FFF2-40B4-BE49-F238E27FC236}">
+                  <a16:creationId xmlns:a16="http://schemas.microsoft.com/office/drawing/2014/main" id="{2BC60D81-51F4-7A40-703D-9C203760F53A}"/>
+                </a:ext>
+              </a:extLst>
+            </p:cNvPr>
+            <p:cNvSpPr/>
+            <p:nvPr/>
+          </p:nvSpPr>
+          <p:spPr>
+            <a:xfrm>
+              <a:off x="8588962" y="573224"/>
+              <a:ext cx="2492990" cy="5190081"/>
+            </a:xfrm>
+            <a:prstGeom prst="rect">
+              <a:avLst/>
+            </a:prstGeom>
+          </p:spPr>
+          <p:style>
+            <a:lnRef idx="2">
+              <a:schemeClr val="accent2">
+                <a:shade val="50000"/>
+              </a:schemeClr>
+            </a:lnRef>
+            <a:fillRef idx="1">
+              <a:schemeClr val="accent2"/>
+            </a:fillRef>
+            <a:effectRef idx="0">
+              <a:schemeClr val="accent2"/>
+            </a:effectRef>
+            <a:fontRef idx="minor">
+              <a:schemeClr val="lt1"/>
+            </a:fontRef>
+          </p:style>
+          <p:txBody>
+            <a:bodyPr rtlCol="0" anchor="ctr"/>
+            <a:lstStyle/>
+            <a:p>
+              <a:pPr algn="ctr"/>
+              <a:endParaRPr kumimoji="1" lang="ja-JP" altLang="en-US" dirty="0"/>
+            </a:p>
+          </p:txBody>
+        </p:sp>
+        <p:sp>
+          <p:nvSpPr>
+            <p:cNvPr id="26" name="正方形/長方形 25">
+              <a:extLst>
+                <a:ext uri="{FF2B5EF4-FFF2-40B4-BE49-F238E27FC236}">
+                  <a16:creationId xmlns:a16="http://schemas.microsoft.com/office/drawing/2014/main" id="{B3860662-76A9-AA9F-F844-D431A6E0F7C4}"/>
+                </a:ext>
+              </a:extLst>
+            </p:cNvPr>
+            <p:cNvSpPr/>
+            <p:nvPr/>
+          </p:nvSpPr>
+          <p:spPr>
+            <a:xfrm>
+              <a:off x="8872753" y="1366802"/>
+              <a:ext cx="1832671" cy="970222"/>
+            </a:xfrm>
+            <a:prstGeom prst="rect">
+              <a:avLst/>
+            </a:prstGeom>
+          </p:spPr>
+          <p:style>
+            <a:lnRef idx="2">
+              <a:schemeClr val="accent2"/>
+            </a:lnRef>
+            <a:fillRef idx="1">
+              <a:schemeClr val="lt1"/>
+            </a:fillRef>
+            <a:effectRef idx="0">
+              <a:schemeClr val="accent2"/>
+            </a:effectRef>
+            <a:fontRef idx="minor">
+              <a:schemeClr val="dk1"/>
+            </a:fontRef>
+          </p:style>
+          <p:txBody>
+            <a:bodyPr rtlCol="0" anchor="ctr"/>
+            <a:lstStyle/>
+            <a:p>
+              <a:pPr algn="ctr"/>
+              <a:r>
+                <a:rPr kumimoji="1" lang="en-US" altLang="ja-JP" dirty="0"/>
+                <a:t>transformer</a:t>
+              </a:r>
+            </a:p>
+          </p:txBody>
+        </p:sp>
+        <p:sp>
+          <p:nvSpPr>
+            <p:cNvPr id="32" name="正方形/長方形 31">
+              <a:extLst>
+                <a:ext uri="{FF2B5EF4-FFF2-40B4-BE49-F238E27FC236}">
+                  <a16:creationId xmlns:a16="http://schemas.microsoft.com/office/drawing/2014/main" id="{058058BA-8E97-CE5C-20E4-5915C3CCF18A}"/>
+                </a:ext>
+              </a:extLst>
+            </p:cNvPr>
+            <p:cNvSpPr/>
+            <p:nvPr/>
+          </p:nvSpPr>
+          <p:spPr>
+            <a:xfrm>
+              <a:off x="8912793" y="2394976"/>
+              <a:ext cx="1131391" cy="2468402"/>
+            </a:xfrm>
+            <a:prstGeom prst="rect">
+              <a:avLst/>
+            </a:prstGeom>
+          </p:spPr>
+          <p:style>
+            <a:lnRef idx="2">
+              <a:schemeClr val="accent2"/>
+            </a:lnRef>
+            <a:fillRef idx="1">
+              <a:schemeClr val="lt1"/>
+            </a:fillRef>
+            <a:effectRef idx="0">
+              <a:schemeClr val="accent2"/>
+            </a:effectRef>
+            <a:fontRef idx="minor">
+              <a:schemeClr val="dk1"/>
+            </a:fontRef>
+          </p:style>
+          <p:txBody>
+            <a:bodyPr rtlCol="0" anchor="ctr"/>
+            <a:lstStyle/>
+            <a:p>
+              <a:pPr algn="ctr"/>
+              <a:endParaRPr lang="en-US" altLang="ja-JP" dirty="0"/>
+            </a:p>
+            <a:p>
+              <a:pPr algn="ctr"/>
+              <a:endParaRPr kumimoji="1" lang="en-US" altLang="ja-JP" dirty="0"/>
+            </a:p>
+            <a:p>
+              <a:pPr algn="ctr"/>
+              <a:endParaRPr lang="en-US" altLang="ja-JP" dirty="0"/>
+            </a:p>
+            <a:p>
+              <a:pPr algn="ctr"/>
+              <a:endParaRPr kumimoji="1" lang="en-US" altLang="ja-JP" dirty="0"/>
+            </a:p>
+            <a:p>
+              <a:pPr algn="ctr"/>
+              <a:endParaRPr lang="en-US" altLang="ja-JP" dirty="0"/>
+            </a:p>
+            <a:p>
+              <a:pPr algn="ctr"/>
+              <a:endParaRPr kumimoji="1" lang="en-US" altLang="ja-JP" dirty="0"/>
+            </a:p>
+            <a:p>
+              <a:pPr algn="ctr"/>
+              <a:endParaRPr kumimoji="1" lang="en-US" altLang="ja-JP" dirty="0"/>
+            </a:p>
+          </p:txBody>
+        </p:sp>
+        <p:sp>
+          <p:nvSpPr>
+            <p:cNvPr id="31" name="正方形/長方形 30">
+              <a:extLst>
+                <a:ext uri="{FF2B5EF4-FFF2-40B4-BE49-F238E27FC236}">
+                  <a16:creationId xmlns:a16="http://schemas.microsoft.com/office/drawing/2014/main" id="{E1516E44-A15C-A76B-DC6E-B29E8FBBF551}"/>
+                </a:ext>
+              </a:extLst>
+            </p:cNvPr>
+            <p:cNvSpPr/>
+            <p:nvPr/>
+          </p:nvSpPr>
+          <p:spPr>
+            <a:xfrm>
+              <a:off x="9076777" y="2585375"/>
+              <a:ext cx="1131391" cy="2468402"/>
+            </a:xfrm>
+            <a:prstGeom prst="rect">
+              <a:avLst/>
+            </a:prstGeom>
+          </p:spPr>
+          <p:style>
+            <a:lnRef idx="2">
+              <a:schemeClr val="accent2"/>
+            </a:lnRef>
+            <a:fillRef idx="1">
+              <a:schemeClr val="lt1"/>
+            </a:fillRef>
+            <a:effectRef idx="0">
+              <a:schemeClr val="accent2"/>
+            </a:effectRef>
+            <a:fontRef idx="minor">
+              <a:schemeClr val="dk1"/>
+            </a:fontRef>
+          </p:style>
+          <p:txBody>
+            <a:bodyPr rtlCol="0" anchor="ctr"/>
+            <a:lstStyle/>
+            <a:p>
+              <a:pPr algn="ctr"/>
+              <a:endParaRPr lang="en-US" altLang="ja-JP" dirty="0"/>
+            </a:p>
+            <a:p>
+              <a:pPr algn="ctr"/>
+              <a:endParaRPr kumimoji="1" lang="en-US" altLang="ja-JP" dirty="0"/>
+            </a:p>
+            <a:p>
+              <a:pPr algn="ctr"/>
+              <a:endParaRPr lang="en-US" altLang="ja-JP" dirty="0"/>
+            </a:p>
+            <a:p>
+              <a:pPr algn="ctr"/>
+              <a:endParaRPr kumimoji="1" lang="en-US" altLang="ja-JP" dirty="0"/>
+            </a:p>
+            <a:p>
+              <a:pPr algn="ctr"/>
+              <a:endParaRPr lang="en-US" altLang="ja-JP" dirty="0"/>
+            </a:p>
+            <a:p>
+              <a:pPr algn="ctr"/>
+              <a:endParaRPr kumimoji="1" lang="en-US" altLang="ja-JP" dirty="0"/>
+            </a:p>
+            <a:p>
+              <a:pPr algn="ctr"/>
+              <a:endParaRPr kumimoji="1" lang="en-US" altLang="ja-JP" dirty="0"/>
+            </a:p>
+          </p:txBody>
+        </p:sp>
+        <p:sp>
+          <p:nvSpPr>
+            <p:cNvPr id="25" name="正方形/長方形 24">
+              <a:extLst>
+                <a:ext uri="{FF2B5EF4-FFF2-40B4-BE49-F238E27FC236}">
+                  <a16:creationId xmlns:a16="http://schemas.microsoft.com/office/drawing/2014/main" id="{483FBA22-FC9F-8F59-B98B-CA42D8101B3B}"/>
+                </a:ext>
+              </a:extLst>
+            </p:cNvPr>
+            <p:cNvSpPr/>
+            <p:nvPr/>
+          </p:nvSpPr>
+          <p:spPr>
+            <a:xfrm>
+              <a:off x="9272977" y="2748781"/>
+              <a:ext cx="1131391" cy="2468402"/>
+            </a:xfrm>
+            <a:prstGeom prst="rect">
+              <a:avLst/>
+            </a:prstGeom>
+          </p:spPr>
+          <p:style>
+            <a:lnRef idx="2">
+              <a:schemeClr val="accent2"/>
+            </a:lnRef>
+            <a:fillRef idx="1">
+              <a:schemeClr val="lt1"/>
+            </a:fillRef>
+            <a:effectRef idx="0">
+              <a:schemeClr val="accent2"/>
+            </a:effectRef>
+            <a:fontRef idx="minor">
+              <a:schemeClr val="dk1"/>
+            </a:fontRef>
+          </p:style>
+          <p:txBody>
+            <a:bodyPr rtlCol="0" anchor="ctr"/>
+            <a:lstStyle/>
+            <a:p>
+              <a:pPr algn="ctr"/>
+              <a:r>
+                <a:rPr kumimoji="1" lang="en-US" altLang="ja-JP" dirty="0"/>
+                <a:t>CNN</a:t>
+              </a:r>
+            </a:p>
+            <a:p>
+              <a:pPr algn="ctr"/>
+              <a:endParaRPr lang="en-US" altLang="ja-JP" dirty="0"/>
+            </a:p>
+            <a:p>
+              <a:pPr algn="ctr"/>
+              <a:endParaRPr kumimoji="1" lang="en-US" altLang="ja-JP" dirty="0"/>
+            </a:p>
+            <a:p>
+              <a:pPr algn="ctr"/>
+              <a:endParaRPr lang="en-US" altLang="ja-JP" dirty="0"/>
+            </a:p>
+            <a:p>
+              <a:pPr algn="ctr"/>
+              <a:endParaRPr kumimoji="1" lang="en-US" altLang="ja-JP" dirty="0"/>
+            </a:p>
+            <a:p>
+              <a:pPr algn="ctr"/>
+              <a:endParaRPr lang="en-US" altLang="ja-JP" dirty="0"/>
+            </a:p>
+            <a:p>
+              <a:pPr algn="ctr"/>
+              <a:endParaRPr kumimoji="1" lang="en-US" altLang="ja-JP" dirty="0"/>
+            </a:p>
+            <a:p>
+              <a:pPr algn="ctr"/>
+              <a:endParaRPr kumimoji="1" lang="en-US" altLang="ja-JP" dirty="0"/>
+            </a:p>
+          </p:txBody>
+        </p:sp>
+        <p:sp>
+          <p:nvSpPr>
+            <p:cNvPr id="27" name="正方形/長方形 26">
+              <a:extLst>
+                <a:ext uri="{FF2B5EF4-FFF2-40B4-BE49-F238E27FC236}">
+                  <a16:creationId xmlns:a16="http://schemas.microsoft.com/office/drawing/2014/main" id="{5A0AF66E-1779-D250-959A-14D4F809951F}"/>
+                </a:ext>
+              </a:extLst>
+            </p:cNvPr>
+            <p:cNvSpPr/>
+            <p:nvPr/>
+          </p:nvSpPr>
+          <p:spPr>
+            <a:xfrm>
+              <a:off x="9482147" y="3167903"/>
+              <a:ext cx="1131391" cy="2468402"/>
+            </a:xfrm>
+            <a:prstGeom prst="rect">
+              <a:avLst/>
+            </a:prstGeom>
+          </p:spPr>
+          <p:style>
+            <a:lnRef idx="2">
+              <a:schemeClr val="accent2"/>
+            </a:lnRef>
+            <a:fillRef idx="1">
+              <a:schemeClr val="lt1"/>
+            </a:fillRef>
+            <a:effectRef idx="0">
+              <a:schemeClr val="accent2"/>
+            </a:effectRef>
+            <a:fontRef idx="minor">
+              <a:schemeClr val="dk1"/>
+            </a:fontRef>
+          </p:style>
+          <p:txBody>
+            <a:bodyPr rtlCol="0" anchor="ctr"/>
+            <a:lstStyle/>
+            <a:p>
+              <a:pPr algn="ctr"/>
+              <a:r>
+                <a:rPr lang="en-US" altLang="ja-JP" dirty="0"/>
+                <a:t>MLP</a:t>
+              </a:r>
+              <a:endParaRPr kumimoji="1" lang="en-US" altLang="ja-JP" dirty="0"/>
+            </a:p>
+            <a:p>
+              <a:pPr algn="ctr"/>
+              <a:endParaRPr lang="en-US" altLang="ja-JP" dirty="0"/>
+            </a:p>
+            <a:p>
+              <a:pPr algn="ctr"/>
+              <a:endParaRPr kumimoji="1" lang="en-US" altLang="ja-JP" dirty="0"/>
+            </a:p>
+            <a:p>
+              <a:pPr algn="ctr"/>
+              <a:endParaRPr lang="en-US" altLang="ja-JP" dirty="0"/>
+            </a:p>
+            <a:p>
+              <a:pPr algn="ctr"/>
+              <a:endParaRPr kumimoji="1" lang="en-US" altLang="ja-JP" dirty="0"/>
+            </a:p>
+            <a:p>
+              <a:pPr algn="ctr"/>
+              <a:endParaRPr lang="en-US" altLang="ja-JP" dirty="0"/>
+            </a:p>
+            <a:p>
+              <a:pPr algn="ctr"/>
+              <a:endParaRPr kumimoji="1" lang="en-US" altLang="ja-JP" dirty="0"/>
+            </a:p>
+            <a:p>
+              <a:pPr algn="ctr"/>
+              <a:endParaRPr kumimoji="1" lang="en-US" altLang="ja-JP" dirty="0"/>
+            </a:p>
+          </p:txBody>
+        </p:sp>
+        <p:sp>
+          <p:nvSpPr>
+            <p:cNvPr id="29" name="正方形/長方形 28">
+              <a:extLst>
+                <a:ext uri="{FF2B5EF4-FFF2-40B4-BE49-F238E27FC236}">
+                  <a16:creationId xmlns:a16="http://schemas.microsoft.com/office/drawing/2014/main" id="{11164CA6-AE94-E7D6-54B3-7F64802A9BE8}"/>
+                </a:ext>
+              </a:extLst>
+            </p:cNvPr>
+            <p:cNvSpPr/>
+            <p:nvPr/>
+          </p:nvSpPr>
+          <p:spPr>
+            <a:xfrm>
+              <a:off x="7315908" y="2032463"/>
+              <a:ext cx="1131391" cy="3107369"/>
+            </a:xfrm>
+            <a:prstGeom prst="rect">
+              <a:avLst/>
+            </a:prstGeom>
+          </p:spPr>
+          <p:style>
+            <a:lnRef idx="2">
+              <a:schemeClr val="accent2"/>
+            </a:lnRef>
+            <a:fillRef idx="1">
+              <a:schemeClr val="lt1"/>
+            </a:fillRef>
+            <a:effectRef idx="0">
+              <a:schemeClr val="accent2"/>
+            </a:effectRef>
+            <a:fontRef idx="minor">
+              <a:schemeClr val="dk1"/>
+            </a:fontRef>
+          </p:style>
+          <p:txBody>
+            <a:bodyPr rtlCol="0" anchor="ctr"/>
+            <a:lstStyle/>
+            <a:p>
+              <a:pPr algn="ctr"/>
+              <a:r>
+                <a:rPr kumimoji="1" lang="en-US" altLang="ja-JP" dirty="0"/>
+                <a:t>SVM</a:t>
+              </a:r>
+            </a:p>
+          </p:txBody>
+        </p:sp>
+        <p:sp>
+          <p:nvSpPr>
+            <p:cNvPr id="40" name="正方形/長方形 39">
+              <a:extLst>
+                <a:ext uri="{FF2B5EF4-FFF2-40B4-BE49-F238E27FC236}">
+                  <a16:creationId xmlns:a16="http://schemas.microsoft.com/office/drawing/2014/main" id="{DFEECA72-F711-1498-FA99-47777DD839EC}"/>
+                </a:ext>
+              </a:extLst>
+            </p:cNvPr>
+            <p:cNvSpPr/>
+            <p:nvPr/>
+          </p:nvSpPr>
+          <p:spPr>
+            <a:xfrm>
+              <a:off x="3601247" y="509508"/>
+              <a:ext cx="7605231" cy="5347605"/>
+            </a:xfrm>
+            <a:prstGeom prst="rect">
+              <a:avLst/>
+            </a:prstGeom>
+            <a:noFill/>
+            <a:ln w="19050">
+              <a:solidFill>
                 <a:schemeClr val="tx1"/>
-              </a:fontRef>
-            </p:style>
-          </p:cxnSp>
-          <p:sp>
-            <p:nvSpPr>
-              <p:cNvPr id="15" name="テキスト ボックス 14">
-                <a:extLst>
-                  <a:ext uri="{FF2B5EF4-FFF2-40B4-BE49-F238E27FC236}">
-                    <a16:creationId xmlns:a16="http://schemas.microsoft.com/office/drawing/2014/main" id="{D3DFEC90-9BE3-D73B-37E0-D14CBC52770A}"/>
-                  </a:ext>
-                </a:extLst>
-              </p:cNvPr>
-              <p:cNvSpPr txBox="1"/>
-              <p:nvPr/>
-            </p:nvSpPr>
-            <p:spPr>
-              <a:xfrm>
-                <a:off x="7843857" y="863600"/>
-                <a:ext cx="2031325" cy="369332"/>
-              </a:xfrm>
-              <a:prstGeom prst="rect">
-                <a:avLst/>
-              </a:prstGeom>
-              <a:noFill/>
-              <a:ln>
-                <a:solidFill>
-                  <a:srgbClr val="00B0F0"/>
-                </a:solidFill>
-              </a:ln>
-            </p:spPr>
-            <p:txBody>
-              <a:bodyPr wrap="none" rtlCol="0">
-                <a:spAutoFit/>
-              </a:bodyPr>
-              <a:lstStyle/>
-              <a:p>
-                <a:r>
-                  <a:rPr kumimoji="1" lang="ja-JP" altLang="en-US" dirty="0"/>
-                  <a:t>ブラックボックス</a:t>
-                </a:r>
-              </a:p>
-            </p:txBody>
-          </p:sp>
-          <p:sp>
-            <p:nvSpPr>
-              <p:cNvPr id="16" name="テキスト ボックス 15">
-                <a:extLst>
-                  <a:ext uri="{FF2B5EF4-FFF2-40B4-BE49-F238E27FC236}">
-                    <a16:creationId xmlns:a16="http://schemas.microsoft.com/office/drawing/2014/main" id="{16835E47-7F60-0C62-3537-41C1F602DEE5}"/>
-                  </a:ext>
-                </a:extLst>
-              </p:cNvPr>
-              <p:cNvSpPr txBox="1"/>
-              <p:nvPr/>
-            </p:nvSpPr>
-            <p:spPr>
-              <a:xfrm>
-                <a:off x="1869440" y="5249148"/>
-                <a:ext cx="2031325" cy="369332"/>
-              </a:xfrm>
-              <a:prstGeom prst="rect">
-                <a:avLst/>
-              </a:prstGeom>
-              <a:noFill/>
-              <a:ln>
-                <a:solidFill>
-                  <a:srgbClr val="00B0F0"/>
-                </a:solidFill>
-              </a:ln>
-            </p:spPr>
-            <p:txBody>
-              <a:bodyPr wrap="none" rtlCol="0">
-                <a:spAutoFit/>
-              </a:bodyPr>
-              <a:lstStyle/>
-              <a:p>
-                <a:r>
-                  <a:rPr lang="ja-JP" altLang="en-US" dirty="0"/>
-                  <a:t>ホワイト</a:t>
-                </a:r>
-                <a:r>
-                  <a:rPr kumimoji="1" lang="ja-JP" altLang="en-US" dirty="0"/>
-                  <a:t>ボックス</a:t>
-                </a:r>
-              </a:p>
-            </p:txBody>
-          </p:sp>
-        </p:grpSp>
+              </a:solidFill>
+            </a:ln>
+          </p:spPr>
+          <p:style>
+            <a:lnRef idx="2">
+              <a:schemeClr val="accent1">
+                <a:shade val="50000"/>
+              </a:schemeClr>
+            </a:lnRef>
+            <a:fillRef idx="1">
+              <a:schemeClr val="accent1"/>
+            </a:fillRef>
+            <a:effectRef idx="0">
+              <a:schemeClr val="accent1"/>
+            </a:effectRef>
+            <a:fontRef idx="minor">
+              <a:schemeClr val="lt1"/>
+            </a:fontRef>
+          </p:style>
+          <p:txBody>
+            <a:bodyPr rtlCol="0" anchor="ctr"/>
+            <a:lstStyle/>
+            <a:p>
+              <a:pPr algn="ctr"/>
+              <a:endParaRPr kumimoji="1" lang="ja-JP" altLang="en-US" dirty="0"/>
+            </a:p>
+          </p:txBody>
+        </p:sp>
+        <p:sp>
+          <p:nvSpPr>
+            <p:cNvPr id="43" name="テキスト ボックス 42">
+              <a:extLst>
+                <a:ext uri="{FF2B5EF4-FFF2-40B4-BE49-F238E27FC236}">
+                  <a16:creationId xmlns:a16="http://schemas.microsoft.com/office/drawing/2014/main" id="{24AEBFC9-D671-B5F1-8E4D-A7EC8E580102}"/>
+                </a:ext>
+              </a:extLst>
+            </p:cNvPr>
+            <p:cNvSpPr txBox="1"/>
+            <p:nvPr/>
+          </p:nvSpPr>
+          <p:spPr>
+            <a:xfrm>
+              <a:off x="3601247" y="575736"/>
+              <a:ext cx="534121" cy="369332"/>
+            </a:xfrm>
+            <a:prstGeom prst="rect">
+              <a:avLst/>
+            </a:prstGeom>
+          </p:spPr>
+          <p:style>
+            <a:lnRef idx="2">
+              <a:schemeClr val="dk1"/>
+            </a:lnRef>
+            <a:fillRef idx="1">
+              <a:schemeClr val="lt1"/>
+            </a:fillRef>
+            <a:effectRef idx="0">
+              <a:schemeClr val="dk1"/>
+            </a:effectRef>
+            <a:fontRef idx="minor">
+              <a:schemeClr val="dk1"/>
+            </a:fontRef>
+          </p:style>
+          <p:txBody>
+            <a:bodyPr wrap="none" rtlCol="0">
+              <a:spAutoFit/>
+            </a:bodyPr>
+            <a:lstStyle/>
+            <a:p>
+              <a:r>
+                <a:rPr kumimoji="1" lang="en-US" altLang="ja-JP" dirty="0"/>
+                <a:t>ML</a:t>
+              </a:r>
+              <a:endParaRPr kumimoji="1" lang="ja-JP" altLang="en-US" dirty="0"/>
+            </a:p>
+          </p:txBody>
+        </p:sp>
+        <p:sp>
+          <p:nvSpPr>
+            <p:cNvPr id="44" name="正方形/長方形 43">
+              <a:extLst>
+                <a:ext uri="{FF2B5EF4-FFF2-40B4-BE49-F238E27FC236}">
+                  <a16:creationId xmlns:a16="http://schemas.microsoft.com/office/drawing/2014/main" id="{3F88D717-222D-B87D-AE4A-136455806181}"/>
+                </a:ext>
+              </a:extLst>
+            </p:cNvPr>
+            <p:cNvSpPr/>
+            <p:nvPr/>
+          </p:nvSpPr>
+          <p:spPr>
+            <a:xfrm>
+              <a:off x="3731376" y="2095478"/>
+              <a:ext cx="1131391" cy="983148"/>
+            </a:xfrm>
+            <a:prstGeom prst="rect">
+              <a:avLst/>
+            </a:prstGeom>
+          </p:spPr>
+          <p:style>
+            <a:lnRef idx="2">
+              <a:schemeClr val="accent2"/>
+            </a:lnRef>
+            <a:fillRef idx="1">
+              <a:schemeClr val="lt1"/>
+            </a:fillRef>
+            <a:effectRef idx="0">
+              <a:schemeClr val="accent2"/>
+            </a:effectRef>
+            <a:fontRef idx="minor">
+              <a:schemeClr val="dk1"/>
+            </a:fontRef>
+          </p:style>
+          <p:txBody>
+            <a:bodyPr rtlCol="0" anchor="ctr"/>
+            <a:lstStyle/>
+            <a:p>
+              <a:pPr algn="ctr"/>
+              <a:r>
+                <a:rPr lang="ja-JP" altLang="en-US" dirty="0"/>
+                <a:t>強化学習</a:t>
+              </a:r>
+              <a:endParaRPr lang="en-US" altLang="ja-JP" dirty="0"/>
+            </a:p>
+          </p:txBody>
+        </p:sp>
+        <p:sp>
+          <p:nvSpPr>
+            <p:cNvPr id="46" name="テキスト ボックス 45">
+              <a:extLst>
+                <a:ext uri="{FF2B5EF4-FFF2-40B4-BE49-F238E27FC236}">
+                  <a16:creationId xmlns:a16="http://schemas.microsoft.com/office/drawing/2014/main" id="{5A64E227-213E-641F-78F9-8C439EB8FD7A}"/>
+                </a:ext>
+              </a:extLst>
+            </p:cNvPr>
+            <p:cNvSpPr txBox="1"/>
+            <p:nvPr/>
+          </p:nvSpPr>
+          <p:spPr>
+            <a:xfrm>
+              <a:off x="8598963" y="558639"/>
+              <a:ext cx="494046" cy="369332"/>
+            </a:xfrm>
+            <a:prstGeom prst="rect">
+              <a:avLst/>
+            </a:prstGeom>
+          </p:spPr>
+          <p:style>
+            <a:lnRef idx="2">
+              <a:schemeClr val="accent2"/>
+            </a:lnRef>
+            <a:fillRef idx="1">
+              <a:schemeClr val="lt1"/>
+            </a:fillRef>
+            <a:effectRef idx="0">
+              <a:schemeClr val="accent2"/>
+            </a:effectRef>
+            <a:fontRef idx="minor">
+              <a:schemeClr val="dk1"/>
+            </a:fontRef>
+          </p:style>
+          <p:txBody>
+            <a:bodyPr wrap="square" rtlCol="0">
+              <a:spAutoFit/>
+            </a:bodyPr>
+            <a:lstStyle/>
+            <a:p>
+              <a:r>
+                <a:rPr kumimoji="1" lang="en-US" altLang="ja-JP" dirty="0"/>
+                <a:t>DL</a:t>
+              </a:r>
+              <a:endParaRPr kumimoji="1" lang="ja-JP" altLang="en-US" dirty="0"/>
+            </a:p>
+          </p:txBody>
+        </p:sp>
+        <p:sp>
+          <p:nvSpPr>
+            <p:cNvPr id="47" name="テキスト ボックス 46">
+              <a:extLst>
+                <a:ext uri="{FF2B5EF4-FFF2-40B4-BE49-F238E27FC236}">
+                  <a16:creationId xmlns:a16="http://schemas.microsoft.com/office/drawing/2014/main" id="{4DD6B979-0565-F878-655B-7A642D7B7169}"/>
+                </a:ext>
+              </a:extLst>
+            </p:cNvPr>
+            <p:cNvSpPr txBox="1"/>
+            <p:nvPr/>
+          </p:nvSpPr>
+          <p:spPr>
+            <a:xfrm>
+              <a:off x="6901410" y="730343"/>
+              <a:ext cx="1737055" cy="646331"/>
+            </a:xfrm>
+            <a:prstGeom prst="rect">
+              <a:avLst/>
+            </a:prstGeom>
+            <a:noFill/>
+          </p:spPr>
+          <p:txBody>
+            <a:bodyPr wrap="square" rtlCol="0">
+              <a:spAutoFit/>
+            </a:bodyPr>
+            <a:lstStyle/>
+            <a:p>
+              <a:pPr algn="ctr"/>
+              <a:r>
+                <a:rPr kumimoji="1" lang="ja-JP" altLang="en-US" dirty="0"/>
+                <a:t>このあたりは</a:t>
+              </a:r>
+              <a:endParaRPr kumimoji="1" lang="en-US" altLang="ja-JP" dirty="0"/>
+            </a:p>
+            <a:p>
+              <a:pPr algn="ctr"/>
+              <a:r>
+                <a:rPr kumimoji="1" lang="ja-JP" altLang="en-US" dirty="0"/>
+                <a:t>曖昧</a:t>
+              </a:r>
+            </a:p>
+          </p:txBody>
+        </p:sp>
+        <p:sp>
+          <p:nvSpPr>
+            <p:cNvPr id="48" name="テキスト ボックス 47">
+              <a:extLst>
+                <a:ext uri="{FF2B5EF4-FFF2-40B4-BE49-F238E27FC236}">
+                  <a16:creationId xmlns:a16="http://schemas.microsoft.com/office/drawing/2014/main" id="{DABD81DC-1A69-B0E8-F577-C69104AB7D96}"/>
+                </a:ext>
+              </a:extLst>
+            </p:cNvPr>
+            <p:cNvSpPr txBox="1"/>
+            <p:nvPr/>
+          </p:nvSpPr>
+          <p:spPr>
+            <a:xfrm>
+              <a:off x="4069634" y="2143507"/>
+              <a:ext cx="873107" cy="369332"/>
+            </a:xfrm>
+            <a:prstGeom prst="rect">
+              <a:avLst/>
+            </a:prstGeom>
+            <a:noFill/>
+          </p:spPr>
+          <p:txBody>
+            <a:bodyPr wrap="square" rtlCol="0">
+              <a:spAutoFit/>
+            </a:bodyPr>
+            <a:lstStyle/>
+            <a:p>
+              <a:pPr algn="ctr"/>
+              <a:r>
+                <a:rPr kumimoji="1" lang="ja-JP" altLang="en-US" dirty="0"/>
+                <a:t>？</a:t>
+              </a:r>
+            </a:p>
+          </p:txBody>
+        </p:sp>
+        <p:sp>
+          <p:nvSpPr>
+            <p:cNvPr id="49" name="テキスト ボックス 48">
+              <a:extLst>
+                <a:ext uri="{FF2B5EF4-FFF2-40B4-BE49-F238E27FC236}">
+                  <a16:creationId xmlns:a16="http://schemas.microsoft.com/office/drawing/2014/main" id="{922F0AC3-8E53-8DD3-EB06-659BA1145C90}"/>
+                </a:ext>
+              </a:extLst>
+            </p:cNvPr>
+            <p:cNvSpPr txBox="1"/>
+            <p:nvPr/>
+          </p:nvSpPr>
+          <p:spPr>
+            <a:xfrm>
+              <a:off x="840786" y="309777"/>
+              <a:ext cx="1415772" cy="830997"/>
+            </a:xfrm>
+            <a:prstGeom prst="rect">
+              <a:avLst/>
+            </a:prstGeom>
+          </p:spPr>
+          <p:style>
+            <a:lnRef idx="2">
+              <a:schemeClr val="dk1"/>
+            </a:lnRef>
+            <a:fillRef idx="1">
+              <a:schemeClr val="lt1"/>
+            </a:fillRef>
+            <a:effectRef idx="0">
+              <a:schemeClr val="dk1"/>
+            </a:effectRef>
+            <a:fontRef idx="minor">
+              <a:schemeClr val="dk1"/>
+            </a:fontRef>
+          </p:style>
+          <p:txBody>
+            <a:bodyPr wrap="none" rtlCol="0">
+              <a:spAutoFit/>
+            </a:bodyPr>
+            <a:lstStyle/>
+            <a:p>
+              <a:pPr algn="ctr"/>
+              <a:r>
+                <a:rPr kumimoji="1" lang="en-US" altLang="ja-JP" sz="2400" dirty="0"/>
+                <a:t>AI</a:t>
+              </a:r>
+              <a:r>
+                <a:rPr kumimoji="1" lang="ja-JP" altLang="en-US" sz="2400" dirty="0"/>
+                <a:t>地図</a:t>
+              </a:r>
+              <a:endParaRPr kumimoji="1" lang="en-US" altLang="ja-JP" sz="2400" dirty="0"/>
+            </a:p>
+            <a:p>
+              <a:pPr algn="ctr"/>
+              <a:r>
+                <a:rPr kumimoji="1" lang="ja-JP" altLang="en-US" sz="2400" dirty="0"/>
+                <a:t>たたき台</a:t>
+              </a:r>
+              <a:endParaRPr kumimoji="1" lang="ja-JP" altLang="en-US" dirty="0"/>
+            </a:p>
+          </p:txBody>
+        </p:sp>
+        <p:sp>
+          <p:nvSpPr>
+            <p:cNvPr id="50" name="正方形/長方形 49">
+              <a:extLst>
+                <a:ext uri="{FF2B5EF4-FFF2-40B4-BE49-F238E27FC236}">
+                  <a16:creationId xmlns:a16="http://schemas.microsoft.com/office/drawing/2014/main" id="{65E6D75C-F9B9-759A-5643-EDE6B70EF9D3}"/>
+                </a:ext>
+              </a:extLst>
+            </p:cNvPr>
+            <p:cNvSpPr/>
+            <p:nvPr/>
+          </p:nvSpPr>
+          <p:spPr>
+            <a:xfrm>
+              <a:off x="9377758" y="645610"/>
+              <a:ext cx="1183014" cy="658318"/>
+            </a:xfrm>
+            <a:prstGeom prst="rect">
+              <a:avLst/>
+            </a:prstGeom>
+          </p:spPr>
+          <p:style>
+            <a:lnRef idx="2">
+              <a:schemeClr val="accent2"/>
+            </a:lnRef>
+            <a:fillRef idx="1">
+              <a:schemeClr val="lt1"/>
+            </a:fillRef>
+            <a:effectRef idx="0">
+              <a:schemeClr val="accent2"/>
+            </a:effectRef>
+            <a:fontRef idx="minor">
+              <a:schemeClr val="dk1"/>
+            </a:fontRef>
+          </p:style>
+          <p:txBody>
+            <a:bodyPr rtlCol="0" anchor="ctr"/>
+            <a:lstStyle/>
+            <a:p>
+              <a:pPr algn="ctr"/>
+              <a:r>
+                <a:rPr kumimoji="1" lang="en-US" altLang="ja-JP" dirty="0"/>
+                <a:t>LLM</a:t>
+              </a:r>
+            </a:p>
+          </p:txBody>
+        </p:sp>
       </p:grpSp>
     </p:spTree>
     <p:extLst>
